--- a/Final_Presentation[1].pptx
+++ b/Final_Presentation[1].pptx
@@ -304,7 +304,7 @@
       <p15:sldGuideLst xmlns:p15="http://schemas.microsoft.com/office/powerpoint/2012/main"/>
     </p:ext>
     <p:ext uri="GoogleSlidesCustomDataVersion2">
-      <go:slidesCustomData xmlns="" xmlns:mc="http://schemas.openxmlformats.org/markup-compatibility/2006" xmlns:mv="urn:schemas-microsoft-com:mac:vml" xmlns:c="http://schemas.openxmlformats.org/drawingml/2006/chart" xmlns:dgm="http://schemas.openxmlformats.org/drawingml/2006/diagram" xmlns:o="urn:schemas-microsoft-com:office:office" xmlns:v="urn:schemas-microsoft-com:vml" xmlns:pvml="urn:schemas-microsoft-com:office:powerpoint" xmlns:com="http://schemas.openxmlformats.org/drawingml/2006/compatibility" xmlns:p14="http://schemas.microsoft.com/office/powerpoint/2010/main" xmlns:p15="http://schemas.microsoft.com/office/powerpoint/2012/main" xmlns:ahyp="http://schemas.microsoft.com/office/drawing/2018/hyperlinkcolor" xmlns:go="http://customooxmlschemas.google.com/" r:id="rId56" roundtripDataSignature="AMtx7mjOmBtk5DbvnkierGKxpb4ZbKw0WQ=="/>
+      <go:slidesCustomData xmlns:go="http://customooxmlschemas.google.com/" xmlns:ahyp="http://schemas.microsoft.com/office/drawing/2018/hyperlinkcolor" xmlns:p15="http://schemas.microsoft.com/office/powerpoint/2012/main" xmlns:p14="http://schemas.microsoft.com/office/powerpoint/2010/main" xmlns:com="http://schemas.openxmlformats.org/drawingml/2006/compatibility" xmlns:pvml="urn:schemas-microsoft-com:office:powerpoint" xmlns:v="urn:schemas-microsoft-com:vml" xmlns:o="urn:schemas-microsoft-com:office:office" xmlns:dgm="http://schemas.openxmlformats.org/drawingml/2006/diagram" xmlns:c="http://schemas.openxmlformats.org/drawingml/2006/chart" xmlns:mv="urn:schemas-microsoft-com:mac:vml" xmlns:mc="http://schemas.openxmlformats.org/markup-compatibility/2006" xmlns="" r:id="rId56" roundtripDataSignature="AMtx7mjOmBtk5DbvnkierGKxpb4ZbKw0WQ=="/>
     </p:ext>
   </p:extLst>
 </p:presentation>
@@ -14059,14 +14059,11 @@
               <a:buChar char="Ø"/>
             </a:pPr>
             <a:r>
-              <a:rPr lang="en-US" sz="1800" b="1">
+              <a:rPr lang="en-US" sz="1800" b="1" dirty="0">
                 <a:latin typeface="TT Norms Bold"/>
               </a:rPr>
               <a:t>We established relationships between the sheets to ensure proper data integration and referential integrity.</a:t>
             </a:r>
-            <a:endParaRPr lang="en-US" sz="1800" b="1" dirty="0">
-              <a:latin typeface="TT Norms Bold"/>
-            </a:endParaRPr>
           </a:p>
         </p:txBody>
       </p:sp>
@@ -23601,7 +23598,31 @@
               <a:rPr lang="en-US" b="1" dirty="0">
                 <a:latin typeface="TT Norms Bold"/>
               </a:rPr>
-              <a:t>Average orders per month are 234, with 4 orders per day.</a:t>
+              <a:t>Average orders per month are </a:t>
+            </a:r>
+            <a:r>
+              <a:rPr lang="ar-EG" b="1" dirty="0">
+                <a:latin typeface="TT Norms Bold"/>
+              </a:rPr>
+              <a:t>465</a:t>
+            </a:r>
+            <a:r>
+              <a:rPr lang="en-US" b="1" dirty="0">
+                <a:latin typeface="TT Norms Bold"/>
+              </a:rPr>
+              <a:t>, with </a:t>
+            </a:r>
+            <a:r>
+              <a:rPr lang="ar-EG" b="1" dirty="0">
+                <a:latin typeface="TT Norms Bold"/>
+              </a:rPr>
+              <a:t>8</a:t>
+            </a:r>
+            <a:r>
+              <a:rPr lang="en-US" b="1" dirty="0">
+                <a:latin typeface="TT Norms Bold"/>
+              </a:rPr>
+              <a:t> orders per day.</a:t>
             </a:r>
           </a:p>
         </p:txBody>
@@ -24843,52 +24864,6 @@
       </p:sp>
       <p:sp>
         <p:nvSpPr>
-          <p:cNvPr id="10" name="TextBox 9">
-            <a:extLst>
-              <a:ext uri="{FF2B5EF4-FFF2-40B4-BE49-F238E27FC236}">
-                <a16:creationId xmlns:a16="http://schemas.microsoft.com/office/drawing/2014/main" id="{70B78E6E-E036-0CE8-DBB8-6E8A289D9103}"/>
-              </a:ext>
-            </a:extLst>
-          </p:cNvPr>
-          <p:cNvSpPr txBox="1"/>
-          <p:nvPr/>
-        </p:nvSpPr>
-        <p:spPr>
-          <a:xfrm>
-            <a:off x="838200" y="2996333"/>
-            <a:ext cx="8122920" cy="338554"/>
-          </a:xfrm>
-          <a:prstGeom prst="rect">
-            <a:avLst/>
-          </a:prstGeom>
-          <a:noFill/>
-        </p:spPr>
-        <p:txBody>
-          <a:bodyPr wrap="square">
-            <a:spAutoFit/>
-          </a:bodyPr>
-          <a:lstStyle/>
-          <a:p>
-            <a:r>
-              <a:rPr lang="en-US" sz="1600" b="1" dirty="0">
-                <a:solidFill>
-                  <a:srgbClr val="057954"/>
-                </a:solidFill>
-                <a:latin typeface="TT Norms Bold"/>
-              </a:rPr>
-              <a:t>Segment Marketing: </a:t>
-            </a:r>
-            <a:r>
-              <a:rPr lang="en-US" b="1" dirty="0">
-                <a:latin typeface="TT Norms Bold"/>
-              </a:rPr>
-              <a:t>Tailor marketing to customer groups (Consumer, Corporate, Home Office).</a:t>
-            </a:r>
-          </a:p>
-        </p:txBody>
-      </p:sp>
-      <p:sp>
-        <p:nvSpPr>
           <p:cNvPr id="12" name="TextBox 11">
             <a:extLst>
               <a:ext uri="{FF2B5EF4-FFF2-40B4-BE49-F238E27FC236}">
@@ -24901,7 +24876,7 @@
         </p:nvSpPr>
         <p:spPr>
           <a:xfrm>
-            <a:off x="838200" y="3594198"/>
+            <a:off x="838200" y="2984073"/>
             <a:ext cx="8122920" cy="338554"/>
           </a:xfrm>
           <a:prstGeom prst="rect">
@@ -24947,7 +24922,7 @@
         </p:nvSpPr>
         <p:spPr>
           <a:xfrm>
-            <a:off x="838200" y="4192063"/>
+            <a:off x="838200" y="3581938"/>
             <a:ext cx="7940040" cy="338554"/>
           </a:xfrm>
           <a:prstGeom prst="rect">
@@ -24993,7 +24968,7 @@
         </p:nvSpPr>
         <p:spPr>
           <a:xfrm>
-            <a:off x="838200" y="4711286"/>
+            <a:off x="838200" y="4101161"/>
             <a:ext cx="8382000" cy="338554"/>
           </a:xfrm>
           <a:prstGeom prst="rect">
@@ -25039,7 +25014,7 @@
         </p:nvSpPr>
         <p:spPr>
           <a:xfrm>
-            <a:off x="838200" y="5136627"/>
+            <a:off x="838200" y="4526502"/>
             <a:ext cx="8275320" cy="338554"/>
           </a:xfrm>
           <a:prstGeom prst="rect">
@@ -28350,7 +28325,19 @@
               <a:rPr lang="en-US" sz="2800" b="1" dirty="0">
                 <a:latin typeface="TT Norms Bold"/>
               </a:rPr>
-              <a:t>This dataset contains information about global road accidents from 2015 to 2018.</a:t>
+              <a:t>This dataset contains information about AKIA Sales from 2015 to 201</a:t>
+            </a:r>
+            <a:r>
+              <a:rPr lang="ar-EG" sz="2800" b="1" dirty="0">
+                <a:latin typeface="TT Norms Bold"/>
+              </a:rPr>
+              <a:t>9</a:t>
+            </a:r>
+            <a:r>
+              <a:rPr lang="en-US" sz="2800" b="1" dirty="0">
+                <a:latin typeface="TT Norms Bold"/>
+              </a:rPr>
+              <a:t>.</a:t>
             </a:r>
           </a:p>
         </p:txBody>
